--- a/fordcs-docs/EDUp FORDCS-V1.0 Project-v2022.04/1-Presentation/EDUp-topic.pptx
+++ b/fordcs-docs/EDUp FORDCS-V1.0 Project-v2022.04/1-Presentation/EDUp-topic.pptx
@@ -261,7 +261,7 @@
           <a:p>
             <a:fld id="{44545C9C-B697-4804-AB64-643E534EC228}" type="datetimeFigureOut">
               <a:rPr lang="en-US" smtClean="0"/>
-              <a:t>4/6/2022</a:t>
+              <a:t>4/15/2022</a:t>
             </a:fld>
             <a:endParaRPr lang="en-US"/>
           </a:p>
@@ -459,7 +459,7 @@
           <a:p>
             <a:fld id="{44545C9C-B697-4804-AB64-643E534EC228}" type="datetimeFigureOut">
               <a:rPr lang="en-US" smtClean="0"/>
-              <a:t>4/6/2022</a:t>
+              <a:t>4/15/2022</a:t>
             </a:fld>
             <a:endParaRPr lang="en-US"/>
           </a:p>
@@ -667,7 +667,7 @@
           <a:p>
             <a:fld id="{44545C9C-B697-4804-AB64-643E534EC228}" type="datetimeFigureOut">
               <a:rPr lang="en-US" smtClean="0"/>
-              <a:t>4/6/2022</a:t>
+              <a:t>4/15/2022</a:t>
             </a:fld>
             <a:endParaRPr lang="en-US"/>
           </a:p>
@@ -865,7 +865,7 @@
           <a:p>
             <a:fld id="{44545C9C-B697-4804-AB64-643E534EC228}" type="datetimeFigureOut">
               <a:rPr lang="en-US" smtClean="0"/>
-              <a:t>4/6/2022</a:t>
+              <a:t>4/15/2022</a:t>
             </a:fld>
             <a:endParaRPr lang="en-US"/>
           </a:p>
@@ -1140,7 +1140,7 @@
           <a:p>
             <a:fld id="{44545C9C-B697-4804-AB64-643E534EC228}" type="datetimeFigureOut">
               <a:rPr lang="en-US" smtClean="0"/>
-              <a:t>4/6/2022</a:t>
+              <a:t>4/15/2022</a:t>
             </a:fld>
             <a:endParaRPr lang="en-US"/>
           </a:p>
@@ -1405,7 +1405,7 @@
           <a:p>
             <a:fld id="{44545C9C-B697-4804-AB64-643E534EC228}" type="datetimeFigureOut">
               <a:rPr lang="en-US" smtClean="0"/>
-              <a:t>4/6/2022</a:t>
+              <a:t>4/15/2022</a:t>
             </a:fld>
             <a:endParaRPr lang="en-US"/>
           </a:p>
@@ -1817,7 +1817,7 @@
           <a:p>
             <a:fld id="{44545C9C-B697-4804-AB64-643E534EC228}" type="datetimeFigureOut">
               <a:rPr lang="en-US" smtClean="0"/>
-              <a:t>4/6/2022</a:t>
+              <a:t>4/15/2022</a:t>
             </a:fld>
             <a:endParaRPr lang="en-US"/>
           </a:p>
@@ -1958,7 +1958,7 @@
           <a:p>
             <a:fld id="{44545C9C-B697-4804-AB64-643E534EC228}" type="datetimeFigureOut">
               <a:rPr lang="en-US" smtClean="0"/>
-              <a:t>4/6/2022</a:t>
+              <a:t>4/15/2022</a:t>
             </a:fld>
             <a:endParaRPr lang="en-US"/>
           </a:p>
@@ -2071,7 +2071,7 @@
           <a:p>
             <a:fld id="{44545C9C-B697-4804-AB64-643E534EC228}" type="datetimeFigureOut">
               <a:rPr lang="en-US" smtClean="0"/>
-              <a:t>4/6/2022</a:t>
+              <a:t>4/15/2022</a:t>
             </a:fld>
             <a:endParaRPr lang="en-US"/>
           </a:p>
@@ -2382,7 +2382,7 @@
           <a:p>
             <a:fld id="{44545C9C-B697-4804-AB64-643E534EC228}" type="datetimeFigureOut">
               <a:rPr lang="en-US" smtClean="0"/>
-              <a:t>4/6/2022</a:t>
+              <a:t>4/15/2022</a:t>
             </a:fld>
             <a:endParaRPr lang="en-US"/>
           </a:p>
@@ -2670,7 +2670,7 @@
           <a:p>
             <a:fld id="{44545C9C-B697-4804-AB64-643E534EC228}" type="datetimeFigureOut">
               <a:rPr lang="en-US" smtClean="0"/>
-              <a:t>4/6/2022</a:t>
+              <a:t>4/15/2022</a:t>
             </a:fld>
             <a:endParaRPr lang="en-US"/>
           </a:p>
@@ -2911,7 +2911,7 @@
           <a:p>
             <a:fld id="{44545C9C-B697-4804-AB64-643E534EC228}" type="datetimeFigureOut">
               <a:rPr lang="en-US" smtClean="0"/>
-              <a:t>4/6/2022</a:t>
+              <a:t>4/15/2022</a:t>
             </a:fld>
             <a:endParaRPr lang="en-US"/>
           </a:p>
@@ -5324,6 +5324,1115 @@
           </p:sp>
         </p:grpSp>
       </p:grpSp>
+      <p:grpSp>
+        <p:nvGrpSpPr>
+          <p:cNvPr id="52" name="Group 51">
+            <a:extLst>
+              <a:ext uri="{FF2B5EF4-FFF2-40B4-BE49-F238E27FC236}">
+                <a16:creationId xmlns:a16="http://schemas.microsoft.com/office/drawing/2014/main" id="{BA77DDFF-CD94-490A-B7EF-5A0FBC55C2F1}"/>
+              </a:ext>
+            </a:extLst>
+          </p:cNvPr>
+          <p:cNvGrpSpPr/>
+          <p:nvPr/>
+        </p:nvGrpSpPr>
+        <p:grpSpPr>
+          <a:xfrm>
+            <a:off x="837275" y="1044575"/>
+            <a:ext cx="1334428" cy="920042"/>
+            <a:chOff x="2815543" y="3055448"/>
+            <a:chExt cx="1334428" cy="920042"/>
+          </a:xfrm>
+        </p:grpSpPr>
+        <p:sp>
+          <p:nvSpPr>
+            <p:cNvPr id="53" name="TextBox 52">
+              <a:extLst>
+                <a:ext uri="{FF2B5EF4-FFF2-40B4-BE49-F238E27FC236}">
+                  <a16:creationId xmlns:a16="http://schemas.microsoft.com/office/drawing/2014/main" id="{DE58D3CF-4BE6-440C-9762-018C9D67E2E5}"/>
+                </a:ext>
+              </a:extLst>
+            </p:cNvPr>
+            <p:cNvSpPr txBox="1"/>
+            <p:nvPr/>
+          </p:nvSpPr>
+          <p:spPr>
+            <a:xfrm>
+              <a:off x="2815543" y="3667713"/>
+              <a:ext cx="1334428" cy="307777"/>
+            </a:xfrm>
+            <a:prstGeom prst="rect">
+              <a:avLst/>
+            </a:prstGeom>
+            <a:noFill/>
+          </p:spPr>
+          <p:txBody>
+            <a:bodyPr wrap="square">
+              <a:spAutoFit/>
+            </a:bodyPr>
+            <a:lstStyle/>
+            <a:p>
+              <a:pPr algn="ctr"/>
+              <a:r>
+                <a:rPr lang="en-US" sz="1400" dirty="0">
+                  <a:solidFill>
+                    <a:srgbClr val="0070C0"/>
+                  </a:solidFill>
+                </a:rPr>
+                <a:t>FORDSC Project</a:t>
+              </a:r>
+            </a:p>
+          </p:txBody>
+        </p:sp>
+        <p:grpSp>
+          <p:nvGrpSpPr>
+            <p:cNvPr id="54" name="Group 53">
+              <a:extLst>
+                <a:ext uri="{FF2B5EF4-FFF2-40B4-BE49-F238E27FC236}">
+                  <a16:creationId xmlns:a16="http://schemas.microsoft.com/office/drawing/2014/main" id="{377A7D31-C9FE-4375-AC17-ABA0B0CAC379}"/>
+                </a:ext>
+              </a:extLst>
+            </p:cNvPr>
+            <p:cNvGrpSpPr/>
+            <p:nvPr/>
+          </p:nvGrpSpPr>
+          <p:grpSpPr>
+            <a:xfrm>
+              <a:off x="3166224" y="3055448"/>
+              <a:ext cx="616062" cy="650752"/>
+              <a:chOff x="3166224" y="3055448"/>
+              <a:chExt cx="616062" cy="650752"/>
+            </a:xfrm>
+          </p:grpSpPr>
+          <p:pic>
+            <p:nvPicPr>
+              <p:cNvPr id="55" name="Graphic 54" descr="Fuel outline">
+                <a:extLst>
+                  <a:ext uri="{FF2B5EF4-FFF2-40B4-BE49-F238E27FC236}">
+                    <a16:creationId xmlns:a16="http://schemas.microsoft.com/office/drawing/2014/main" id="{904082C4-0C44-4258-86E8-E2726EA0AD80}"/>
+                  </a:ext>
+                </a:extLst>
+              </p:cNvPr>
+              <p:cNvPicPr>
+                <a:picLocks noChangeAspect="1"/>
+              </p:cNvPicPr>
+              <p:nvPr/>
+            </p:nvPicPr>
+            <p:blipFill>
+              <a:blip r:embed="rId2">
+                <a:extLst>
+                  <a:ext uri="{28A0092B-C50C-407E-A947-70E740481C1C}">
+                    <a14:useLocalDpi xmlns:a14="http://schemas.microsoft.com/office/drawing/2010/main" val="0"/>
+                  </a:ext>
+                  <a:ext uri="{96DAC541-7B7A-43D3-8B79-37D633B846F1}">
+                    <asvg:svgBlip xmlns:asvg="http://schemas.microsoft.com/office/drawing/2016/SVG/main" r:embed="rId3"/>
+                  </a:ext>
+                </a:extLst>
+              </a:blip>
+              <a:stretch>
+                <a:fillRect/>
+              </a:stretch>
+            </p:blipFill>
+            <p:spPr>
+              <a:xfrm>
+                <a:off x="3166224" y="3055448"/>
+                <a:ext cx="616062" cy="650752"/>
+              </a:xfrm>
+              <a:prstGeom prst="rect">
+                <a:avLst/>
+              </a:prstGeom>
+            </p:spPr>
+          </p:pic>
+          <p:sp>
+            <p:nvSpPr>
+              <p:cNvPr id="56" name="TextBox 55">
+                <a:extLst>
+                  <a:ext uri="{FF2B5EF4-FFF2-40B4-BE49-F238E27FC236}">
+                    <a16:creationId xmlns:a16="http://schemas.microsoft.com/office/drawing/2014/main" id="{9498F419-50D9-435E-8330-0666E027F891}"/>
+                  </a:ext>
+                </a:extLst>
+              </p:cNvPr>
+              <p:cNvSpPr txBox="1"/>
+              <p:nvPr/>
+            </p:nvSpPr>
+            <p:spPr>
+              <a:xfrm>
+                <a:off x="3296634" y="3304268"/>
+                <a:ext cx="266420" cy="307777"/>
+              </a:xfrm>
+              <a:prstGeom prst="rect">
+                <a:avLst/>
+              </a:prstGeom>
+              <a:noFill/>
+            </p:spPr>
+            <p:txBody>
+              <a:bodyPr wrap="none" rtlCol="0">
+                <a:spAutoFit/>
+              </a:bodyPr>
+              <a:lstStyle/>
+              <a:p>
+                <a:r>
+                  <a:rPr lang="en-US" sz="1400" b="1" i="1" dirty="0">
+                    <a:solidFill>
+                      <a:schemeClr val="accent5">
+                        <a:lumMod val="75000"/>
+                      </a:schemeClr>
+                    </a:solidFill>
+                  </a:rPr>
+                  <a:t>F</a:t>
+                </a:r>
+              </a:p>
+            </p:txBody>
+          </p:sp>
+        </p:grpSp>
+      </p:grpSp>
+      <p:grpSp>
+        <p:nvGrpSpPr>
+          <p:cNvPr id="57" name="Group 56">
+            <a:extLst>
+              <a:ext uri="{FF2B5EF4-FFF2-40B4-BE49-F238E27FC236}">
+                <a16:creationId xmlns:a16="http://schemas.microsoft.com/office/drawing/2014/main" id="{6E7FADB1-34D4-4E2F-8938-A48BD4C6D1AB}"/>
+              </a:ext>
+            </a:extLst>
+          </p:cNvPr>
+          <p:cNvGrpSpPr/>
+          <p:nvPr/>
+        </p:nvGrpSpPr>
+        <p:grpSpPr>
+          <a:xfrm>
+            <a:off x="10677235" y="916169"/>
+            <a:ext cx="1059496" cy="4176924"/>
+            <a:chOff x="10019845" y="895104"/>
+            <a:chExt cx="1059496" cy="4176924"/>
+          </a:xfrm>
+        </p:grpSpPr>
+        <p:grpSp>
+          <p:nvGrpSpPr>
+            <p:cNvPr id="58" name="Group 57">
+              <a:extLst>
+                <a:ext uri="{FF2B5EF4-FFF2-40B4-BE49-F238E27FC236}">
+                  <a16:creationId xmlns:a16="http://schemas.microsoft.com/office/drawing/2014/main" id="{6E676ADC-E32F-41F3-B326-61F2CCAA846C}"/>
+                </a:ext>
+              </a:extLst>
+            </p:cNvPr>
+            <p:cNvGrpSpPr/>
+            <p:nvPr/>
+          </p:nvGrpSpPr>
+          <p:grpSpPr>
+            <a:xfrm>
+              <a:off x="10167023" y="3698985"/>
+              <a:ext cx="866566" cy="722514"/>
+              <a:chOff x="5623933" y="4802666"/>
+              <a:chExt cx="866566" cy="722514"/>
+            </a:xfrm>
+          </p:grpSpPr>
+          <p:sp>
+            <p:nvSpPr>
+              <p:cNvPr id="80" name="TextBox 79">
+                <a:extLst>
+                  <a:ext uri="{FF2B5EF4-FFF2-40B4-BE49-F238E27FC236}">
+                    <a16:creationId xmlns:a16="http://schemas.microsoft.com/office/drawing/2014/main" id="{CAB42B1D-43FF-4EC7-9AFC-4EC3DB69E0A7}"/>
+                  </a:ext>
+                </a:extLst>
+              </p:cNvPr>
+              <p:cNvSpPr txBox="1"/>
+              <p:nvPr/>
+            </p:nvSpPr>
+            <p:spPr>
+              <a:xfrm>
+                <a:off x="5623933" y="5294348"/>
+                <a:ext cx="866566" cy="230832"/>
+              </a:xfrm>
+              <a:prstGeom prst="rect">
+                <a:avLst/>
+              </a:prstGeom>
+              <a:noFill/>
+              <a:ln>
+                <a:noFill/>
+              </a:ln>
+            </p:spPr>
+            <p:txBody>
+              <a:bodyPr wrap="square">
+                <a:spAutoFit/>
+              </a:bodyPr>
+              <a:lstStyle/>
+              <a:p>
+                <a:pPr algn="ctr"/>
+                <a:r>
+                  <a:rPr lang="en-US" sz="900" dirty="0">
+                    <a:solidFill>
+                      <a:schemeClr val="accent5">
+                        <a:lumMod val="75000"/>
+                      </a:schemeClr>
+                    </a:solidFill>
+                  </a:rPr>
+                  <a:t>Guides</a:t>
+                </a:r>
+              </a:p>
+            </p:txBody>
+          </p:sp>
+          <p:pic>
+            <p:nvPicPr>
+              <p:cNvPr id="81" name="Graphic 80" descr="Sustainability outline">
+                <a:extLst>
+                  <a:ext uri="{FF2B5EF4-FFF2-40B4-BE49-F238E27FC236}">
+                    <a16:creationId xmlns:a16="http://schemas.microsoft.com/office/drawing/2014/main" id="{E462C6D4-7B4C-4B53-9781-C360A6377094}"/>
+                  </a:ext>
+                </a:extLst>
+              </p:cNvPr>
+              <p:cNvPicPr>
+                <a:picLocks noChangeAspect="1"/>
+              </p:cNvPicPr>
+              <p:nvPr/>
+            </p:nvPicPr>
+            <p:blipFill>
+              <a:blip r:embed="rId4">
+                <a:extLst>
+                  <a:ext uri="{28A0092B-C50C-407E-A947-70E740481C1C}">
+                    <a14:useLocalDpi xmlns:a14="http://schemas.microsoft.com/office/drawing/2010/main" val="0"/>
+                  </a:ext>
+                  <a:ext uri="{96DAC541-7B7A-43D3-8B79-37D633B846F1}">
+                    <asvg:svgBlip xmlns:asvg="http://schemas.microsoft.com/office/drawing/2016/SVG/main" r:embed="rId5"/>
+                  </a:ext>
+                </a:extLst>
+              </a:blip>
+              <a:stretch>
+                <a:fillRect/>
+              </a:stretch>
+            </p:blipFill>
+            <p:spPr>
+              <a:xfrm>
+                <a:off x="5750418" y="4802666"/>
+                <a:ext cx="567601" cy="567601"/>
+              </a:xfrm>
+              <a:prstGeom prst="rect">
+                <a:avLst/>
+              </a:prstGeom>
+            </p:spPr>
+          </p:pic>
+        </p:grpSp>
+        <p:grpSp>
+          <p:nvGrpSpPr>
+            <p:cNvPr id="59" name="Group 58">
+              <a:extLst>
+                <a:ext uri="{FF2B5EF4-FFF2-40B4-BE49-F238E27FC236}">
+                  <a16:creationId xmlns:a16="http://schemas.microsoft.com/office/drawing/2014/main" id="{C1FCBFCC-FC61-429C-9244-735D21BF73BB}"/>
+                </a:ext>
+              </a:extLst>
+            </p:cNvPr>
+            <p:cNvGrpSpPr/>
+            <p:nvPr/>
+          </p:nvGrpSpPr>
+          <p:grpSpPr>
+            <a:xfrm>
+              <a:off x="10094429" y="1613647"/>
+              <a:ext cx="794327" cy="726998"/>
+              <a:chOff x="4694608" y="2702002"/>
+              <a:chExt cx="794327" cy="726998"/>
+            </a:xfrm>
+          </p:grpSpPr>
+          <p:sp>
+            <p:nvSpPr>
+              <p:cNvPr id="78" name="TextBox 77">
+                <a:extLst>
+                  <a:ext uri="{FF2B5EF4-FFF2-40B4-BE49-F238E27FC236}">
+                    <a16:creationId xmlns:a16="http://schemas.microsoft.com/office/drawing/2014/main" id="{8501F919-ED45-4D4B-BB2B-38F08473E41A}"/>
+                  </a:ext>
+                </a:extLst>
+              </p:cNvPr>
+              <p:cNvSpPr txBox="1"/>
+              <p:nvPr/>
+            </p:nvSpPr>
+            <p:spPr>
+              <a:xfrm>
+                <a:off x="4694608" y="3198168"/>
+                <a:ext cx="794327" cy="230832"/>
+              </a:xfrm>
+              <a:prstGeom prst="rect">
+                <a:avLst/>
+              </a:prstGeom>
+              <a:noFill/>
+              <a:ln>
+                <a:noFill/>
+              </a:ln>
+            </p:spPr>
+            <p:txBody>
+              <a:bodyPr wrap="square">
+                <a:spAutoFit/>
+              </a:bodyPr>
+              <a:lstStyle/>
+              <a:p>
+                <a:pPr algn="ctr"/>
+                <a:r>
+                  <a:rPr lang="en-US" sz="900" dirty="0">
+                    <a:solidFill>
+                      <a:schemeClr val="accent5">
+                        <a:lumMod val="75000"/>
+                      </a:schemeClr>
+                    </a:solidFill>
+                  </a:rPr>
+                  <a:t>References</a:t>
+                </a:r>
+              </a:p>
+            </p:txBody>
+          </p:sp>
+          <p:pic>
+            <p:nvPicPr>
+              <p:cNvPr id="79" name="Graphic 78" descr="Books outline">
+                <a:extLst>
+                  <a:ext uri="{FF2B5EF4-FFF2-40B4-BE49-F238E27FC236}">
+                    <a16:creationId xmlns:a16="http://schemas.microsoft.com/office/drawing/2014/main" id="{0A98A00E-C9E3-4C69-B3AE-817C71266E85}"/>
+                  </a:ext>
+                </a:extLst>
+              </p:cNvPr>
+              <p:cNvPicPr>
+                <a:picLocks noChangeAspect="1"/>
+              </p:cNvPicPr>
+              <p:nvPr/>
+            </p:nvPicPr>
+            <p:blipFill>
+              <a:blip r:embed="rId6">
+                <a:extLst>
+                  <a:ext uri="{28A0092B-C50C-407E-A947-70E740481C1C}">
+                    <a14:useLocalDpi xmlns:a14="http://schemas.microsoft.com/office/drawing/2010/main" val="0"/>
+                  </a:ext>
+                  <a:ext uri="{96DAC541-7B7A-43D3-8B79-37D633B846F1}">
+                    <asvg:svgBlip xmlns:asvg="http://schemas.microsoft.com/office/drawing/2016/SVG/main" r:embed="rId7"/>
+                  </a:ext>
+                </a:extLst>
+              </a:blip>
+              <a:stretch>
+                <a:fillRect/>
+              </a:stretch>
+            </p:blipFill>
+            <p:spPr>
+              <a:xfrm>
+                <a:off x="4818431" y="2702002"/>
+                <a:ext cx="620977" cy="620977"/>
+              </a:xfrm>
+              <a:prstGeom prst="rect">
+                <a:avLst/>
+              </a:prstGeom>
+            </p:spPr>
+          </p:pic>
+        </p:grpSp>
+        <p:grpSp>
+          <p:nvGrpSpPr>
+            <p:cNvPr id="60" name="Group 59">
+              <a:extLst>
+                <a:ext uri="{FF2B5EF4-FFF2-40B4-BE49-F238E27FC236}">
+                  <a16:creationId xmlns:a16="http://schemas.microsoft.com/office/drawing/2014/main" id="{36A9B403-2EAF-4DD4-9F79-896730CD8E74}"/>
+                </a:ext>
+              </a:extLst>
+            </p:cNvPr>
+            <p:cNvGrpSpPr/>
+            <p:nvPr/>
+          </p:nvGrpSpPr>
+          <p:grpSpPr>
+            <a:xfrm>
+              <a:off x="10239261" y="4338322"/>
+              <a:ext cx="794327" cy="733706"/>
+              <a:chOff x="5648657" y="5424179"/>
+              <a:chExt cx="794327" cy="733706"/>
+            </a:xfrm>
+          </p:grpSpPr>
+          <p:sp>
+            <p:nvSpPr>
+              <p:cNvPr id="76" name="TextBox 75">
+                <a:extLst>
+                  <a:ext uri="{FF2B5EF4-FFF2-40B4-BE49-F238E27FC236}">
+                    <a16:creationId xmlns:a16="http://schemas.microsoft.com/office/drawing/2014/main" id="{6AE732EE-3D58-4D11-A76B-88B0E78AC36B}"/>
+                  </a:ext>
+                </a:extLst>
+              </p:cNvPr>
+              <p:cNvSpPr txBox="1"/>
+              <p:nvPr/>
+            </p:nvSpPr>
+            <p:spPr>
+              <a:xfrm>
+                <a:off x="5648657" y="5927053"/>
+                <a:ext cx="794327" cy="230832"/>
+              </a:xfrm>
+              <a:prstGeom prst="rect">
+                <a:avLst/>
+              </a:prstGeom>
+              <a:noFill/>
+              <a:ln>
+                <a:noFill/>
+              </a:ln>
+            </p:spPr>
+            <p:txBody>
+              <a:bodyPr wrap="square">
+                <a:spAutoFit/>
+              </a:bodyPr>
+              <a:lstStyle/>
+              <a:p>
+                <a:pPr algn="ctr"/>
+                <a:r>
+                  <a:rPr lang="en-US" sz="900" dirty="0">
+                    <a:solidFill>
+                      <a:schemeClr val="accent5">
+                        <a:lumMod val="75000"/>
+                      </a:schemeClr>
+                    </a:solidFill>
+                  </a:rPr>
+                  <a:t>Code Base</a:t>
+                </a:r>
+              </a:p>
+            </p:txBody>
+          </p:sp>
+          <p:pic>
+            <p:nvPicPr>
+              <p:cNvPr id="77" name="Graphic 76" descr="Golden Ratio outline">
+                <a:extLst>
+                  <a:ext uri="{FF2B5EF4-FFF2-40B4-BE49-F238E27FC236}">
+                    <a16:creationId xmlns:a16="http://schemas.microsoft.com/office/drawing/2014/main" id="{2A043CF3-8250-4180-9082-7FA01AEEBB8E}"/>
+                  </a:ext>
+                </a:extLst>
+              </p:cNvPr>
+              <p:cNvPicPr>
+                <a:picLocks noChangeAspect="1"/>
+              </p:cNvPicPr>
+              <p:nvPr/>
+            </p:nvPicPr>
+            <p:blipFill>
+              <a:blip r:embed="rId8">
+                <a:extLst>
+                  <a:ext uri="{28A0092B-C50C-407E-A947-70E740481C1C}">
+                    <a14:useLocalDpi xmlns:a14="http://schemas.microsoft.com/office/drawing/2010/main" val="0"/>
+                  </a:ext>
+                  <a:ext uri="{96DAC541-7B7A-43D3-8B79-37D633B846F1}">
+                    <asvg:svgBlip xmlns:asvg="http://schemas.microsoft.com/office/drawing/2016/SVG/main" r:embed="rId9"/>
+                  </a:ext>
+                </a:extLst>
+              </a:blip>
+              <a:stretch>
+                <a:fillRect/>
+              </a:stretch>
+            </p:blipFill>
+            <p:spPr>
+              <a:xfrm>
+                <a:off x="5698838" y="5424179"/>
+                <a:ext cx="662630" cy="662630"/>
+              </a:xfrm>
+              <a:prstGeom prst="rect">
+                <a:avLst/>
+              </a:prstGeom>
+            </p:spPr>
+          </p:pic>
+        </p:grpSp>
+        <p:grpSp>
+          <p:nvGrpSpPr>
+            <p:cNvPr id="61" name="Group 60">
+              <a:extLst>
+                <a:ext uri="{FF2B5EF4-FFF2-40B4-BE49-F238E27FC236}">
+                  <a16:creationId xmlns:a16="http://schemas.microsoft.com/office/drawing/2014/main" id="{D7A257D0-2B83-41FF-85F1-6FEFC144087D}"/>
+                </a:ext>
+              </a:extLst>
+            </p:cNvPr>
+            <p:cNvGrpSpPr/>
+            <p:nvPr/>
+          </p:nvGrpSpPr>
+          <p:grpSpPr>
+            <a:xfrm>
+              <a:off x="10019845" y="895104"/>
+              <a:ext cx="943497" cy="726211"/>
+              <a:chOff x="5488935" y="1690688"/>
+              <a:chExt cx="943497" cy="726211"/>
+            </a:xfrm>
+          </p:grpSpPr>
+          <p:pic>
+            <p:nvPicPr>
+              <p:cNvPr id="74" name="Graphic 73" descr="Closed book outline">
+                <a:extLst>
+                  <a:ext uri="{FF2B5EF4-FFF2-40B4-BE49-F238E27FC236}">
+                    <a16:creationId xmlns:a16="http://schemas.microsoft.com/office/drawing/2014/main" id="{FC2E1AD7-ADC5-403E-A9ED-CA651A350C65}"/>
+                  </a:ext>
+                </a:extLst>
+              </p:cNvPr>
+              <p:cNvPicPr>
+                <a:picLocks noChangeAspect="1"/>
+              </p:cNvPicPr>
+              <p:nvPr/>
+            </p:nvPicPr>
+            <p:blipFill>
+              <a:blip r:embed="rId10">
+                <a:extLst>
+                  <a:ext uri="{28A0092B-C50C-407E-A947-70E740481C1C}">
+                    <a14:useLocalDpi xmlns:a14="http://schemas.microsoft.com/office/drawing/2010/main" val="0"/>
+                  </a:ext>
+                  <a:ext uri="{96DAC541-7B7A-43D3-8B79-37D633B846F1}">
+                    <asvg:svgBlip xmlns:asvg="http://schemas.microsoft.com/office/drawing/2016/SVG/main" r:embed="rId11"/>
+                  </a:ext>
+                </a:extLst>
+              </a:blip>
+              <a:stretch>
+                <a:fillRect/>
+              </a:stretch>
+            </p:blipFill>
+            <p:spPr>
+              <a:xfrm>
+                <a:off x="5563521" y="1690688"/>
+                <a:ext cx="794327" cy="590808"/>
+              </a:xfrm>
+              <a:prstGeom prst="rect">
+                <a:avLst/>
+              </a:prstGeom>
+            </p:spPr>
+          </p:pic>
+          <p:sp>
+            <p:nvSpPr>
+              <p:cNvPr id="75" name="TextBox 74">
+                <a:extLst>
+                  <a:ext uri="{FF2B5EF4-FFF2-40B4-BE49-F238E27FC236}">
+                    <a16:creationId xmlns:a16="http://schemas.microsoft.com/office/drawing/2014/main" id="{5F82D8D9-95DC-4B67-9747-B2C8342922CB}"/>
+                  </a:ext>
+                </a:extLst>
+              </p:cNvPr>
+              <p:cNvSpPr txBox="1"/>
+              <p:nvPr/>
+            </p:nvSpPr>
+            <p:spPr>
+              <a:xfrm>
+                <a:off x="5488935" y="2186067"/>
+                <a:ext cx="943497" cy="230832"/>
+              </a:xfrm>
+              <a:prstGeom prst="rect">
+                <a:avLst/>
+              </a:prstGeom>
+              <a:noFill/>
+              <a:ln>
+                <a:noFill/>
+              </a:ln>
+            </p:spPr>
+            <p:txBody>
+              <a:bodyPr wrap="square">
+                <a:spAutoFit/>
+              </a:bodyPr>
+              <a:lstStyle/>
+              <a:p>
+                <a:pPr algn="ctr"/>
+                <a:r>
+                  <a:rPr lang="en-US" sz="900" dirty="0">
+                    <a:solidFill>
+                      <a:schemeClr val="accent5">
+                        <a:lumMod val="75000"/>
+                      </a:schemeClr>
+                    </a:solidFill>
+                  </a:rPr>
+                  <a:t>Compendium</a:t>
+                </a:r>
+              </a:p>
+            </p:txBody>
+          </p:sp>
+        </p:grpSp>
+        <p:grpSp>
+          <p:nvGrpSpPr>
+            <p:cNvPr id="62" name="Group 61">
+              <a:extLst>
+                <a:ext uri="{FF2B5EF4-FFF2-40B4-BE49-F238E27FC236}">
+                  <a16:creationId xmlns:a16="http://schemas.microsoft.com/office/drawing/2014/main" id="{B1535C9C-1630-4E77-AA3C-5903F80EDF7E}"/>
+                </a:ext>
+              </a:extLst>
+            </p:cNvPr>
+            <p:cNvGrpSpPr/>
+            <p:nvPr/>
+          </p:nvGrpSpPr>
+          <p:grpSpPr>
+            <a:xfrm>
+              <a:off x="10146013" y="2422440"/>
+              <a:ext cx="794327" cy="714383"/>
+              <a:chOff x="5860632" y="3295392"/>
+              <a:chExt cx="794327" cy="714383"/>
+            </a:xfrm>
+          </p:grpSpPr>
+          <p:pic>
+            <p:nvPicPr>
+              <p:cNvPr id="72" name="Graphic 71" descr="Topography Map outline">
+                <a:extLst>
+                  <a:ext uri="{FF2B5EF4-FFF2-40B4-BE49-F238E27FC236}">
+                    <a16:creationId xmlns:a16="http://schemas.microsoft.com/office/drawing/2014/main" id="{2799A27A-14F1-441F-BF4D-14CE800D2CA7}"/>
+                  </a:ext>
+                </a:extLst>
+              </p:cNvPr>
+              <p:cNvPicPr>
+                <a:picLocks noChangeAspect="1"/>
+              </p:cNvPicPr>
+              <p:nvPr/>
+            </p:nvPicPr>
+            <p:blipFill>
+              <a:blip r:embed="rId12">
+                <a:extLst>
+                  <a:ext uri="{28A0092B-C50C-407E-A947-70E740481C1C}">
+                    <a14:useLocalDpi xmlns:a14="http://schemas.microsoft.com/office/drawing/2010/main" val="0"/>
+                  </a:ext>
+                  <a:ext uri="{96DAC541-7B7A-43D3-8B79-37D633B846F1}">
+                    <asvg:svgBlip xmlns:asvg="http://schemas.microsoft.com/office/drawing/2016/SVG/main" r:embed="rId13"/>
+                  </a:ext>
+                </a:extLst>
+              </a:blip>
+              <a:stretch>
+                <a:fillRect/>
+              </a:stretch>
+            </p:blipFill>
+            <p:spPr>
+              <a:xfrm>
+                <a:off x="5962392" y="3295392"/>
+                <a:ext cx="590808" cy="590808"/>
+              </a:xfrm>
+              <a:prstGeom prst="rect">
+                <a:avLst/>
+              </a:prstGeom>
+            </p:spPr>
+          </p:pic>
+          <p:sp>
+            <p:nvSpPr>
+              <p:cNvPr id="73" name="TextBox 72">
+                <a:extLst>
+                  <a:ext uri="{FF2B5EF4-FFF2-40B4-BE49-F238E27FC236}">
+                    <a16:creationId xmlns:a16="http://schemas.microsoft.com/office/drawing/2014/main" id="{948DDEE4-6308-473E-B146-31F3CB101AFA}"/>
+                  </a:ext>
+                </a:extLst>
+              </p:cNvPr>
+              <p:cNvSpPr txBox="1"/>
+              <p:nvPr/>
+            </p:nvSpPr>
+            <p:spPr>
+              <a:xfrm>
+                <a:off x="5860632" y="3778943"/>
+                <a:ext cx="794327" cy="230832"/>
+              </a:xfrm>
+              <a:prstGeom prst="rect">
+                <a:avLst/>
+              </a:prstGeom>
+              <a:noFill/>
+              <a:ln>
+                <a:noFill/>
+              </a:ln>
+            </p:spPr>
+            <p:txBody>
+              <a:bodyPr wrap="square">
+                <a:spAutoFit/>
+              </a:bodyPr>
+              <a:lstStyle/>
+              <a:p>
+                <a:pPr algn="ctr"/>
+                <a:r>
+                  <a:rPr lang="en-US" sz="900" dirty="0">
+                    <a:solidFill>
+                      <a:schemeClr val="accent5">
+                        <a:lumMod val="75000"/>
+                      </a:schemeClr>
+                    </a:solidFill>
+                  </a:rPr>
+                  <a:t>Templates</a:t>
+                </a:r>
+              </a:p>
+            </p:txBody>
+          </p:sp>
+        </p:grpSp>
+        <p:grpSp>
+          <p:nvGrpSpPr>
+            <p:cNvPr id="63" name="Group 62">
+              <a:extLst>
+                <a:ext uri="{FF2B5EF4-FFF2-40B4-BE49-F238E27FC236}">
+                  <a16:creationId xmlns:a16="http://schemas.microsoft.com/office/drawing/2014/main" id="{1B1361D8-6EEB-4AFD-9718-15BF70CD8F61}"/>
+                </a:ext>
+              </a:extLst>
+            </p:cNvPr>
+            <p:cNvGrpSpPr/>
+            <p:nvPr/>
+          </p:nvGrpSpPr>
+          <p:grpSpPr>
+            <a:xfrm>
+              <a:off x="10105823" y="3164293"/>
+              <a:ext cx="973518" cy="562748"/>
+              <a:chOff x="7984916" y="3561183"/>
+              <a:chExt cx="1539115" cy="738134"/>
+            </a:xfrm>
+          </p:grpSpPr>
+          <p:sp>
+            <p:nvSpPr>
+              <p:cNvPr id="64" name="TextBox 63">
+                <a:extLst>
+                  <a:ext uri="{FF2B5EF4-FFF2-40B4-BE49-F238E27FC236}">
+                    <a16:creationId xmlns:a16="http://schemas.microsoft.com/office/drawing/2014/main" id="{511A7264-1A30-4217-95F4-DC4EE127B431}"/>
+                  </a:ext>
+                </a:extLst>
+              </p:cNvPr>
+              <p:cNvSpPr txBox="1"/>
+              <p:nvPr/>
+            </p:nvSpPr>
+            <p:spPr>
+              <a:xfrm>
+                <a:off x="8006968" y="3956174"/>
+                <a:ext cx="1517063" cy="343143"/>
+              </a:xfrm>
+              <a:prstGeom prst="rect">
+                <a:avLst/>
+              </a:prstGeom>
+              <a:noFill/>
+              <a:ln w="9525">
+                <a:noFill/>
+              </a:ln>
+            </p:spPr>
+            <p:txBody>
+              <a:bodyPr wrap="square" rtlCol="0">
+                <a:spAutoFit/>
+              </a:bodyPr>
+              <a:lstStyle/>
+              <a:p>
+                <a:pPr algn="ctr"/>
+                <a:r>
+                  <a:rPr lang="en-US" sz="1100" i="1" dirty="0">
+                    <a:solidFill>
+                      <a:schemeClr val="accent5">
+                        <a:lumMod val="75000"/>
+                      </a:schemeClr>
+                    </a:solidFill>
+                  </a:rPr>
+                  <a:t>Work-stream</a:t>
+                </a:r>
+              </a:p>
+            </p:txBody>
+          </p:sp>
+          <p:grpSp>
+            <p:nvGrpSpPr>
+              <p:cNvPr id="65" name="Group 64">
+                <a:extLst>
+                  <a:ext uri="{FF2B5EF4-FFF2-40B4-BE49-F238E27FC236}">
+                    <a16:creationId xmlns:a16="http://schemas.microsoft.com/office/drawing/2014/main" id="{AE9542D5-7763-46C7-978F-A3371BBD17F1}"/>
+                  </a:ext>
+                </a:extLst>
+              </p:cNvPr>
+              <p:cNvGrpSpPr/>
+              <p:nvPr/>
+            </p:nvGrpSpPr>
+            <p:grpSpPr>
+              <a:xfrm>
+                <a:off x="7984916" y="3561183"/>
+                <a:ext cx="1539115" cy="430887"/>
+                <a:chOff x="7984916" y="3561183"/>
+                <a:chExt cx="1539115" cy="430887"/>
+              </a:xfrm>
+            </p:grpSpPr>
+            <p:cxnSp>
+              <p:nvCxnSpPr>
+                <p:cNvPr id="66" name="Straight Arrow Connector 65">
+                  <a:extLst>
+                    <a:ext uri="{FF2B5EF4-FFF2-40B4-BE49-F238E27FC236}">
+                      <a16:creationId xmlns:a16="http://schemas.microsoft.com/office/drawing/2014/main" id="{DFE859EE-78FB-42AC-BF0A-C8BE5E86F0C5}"/>
+                    </a:ext>
+                  </a:extLst>
+                </p:cNvPr>
+                <p:cNvCxnSpPr/>
+                <p:nvPr/>
+              </p:nvCxnSpPr>
+              <p:spPr>
+                <a:xfrm>
+                  <a:off x="7984916" y="3763483"/>
+                  <a:ext cx="1539115" cy="0"/>
+                </a:xfrm>
+                <a:prstGeom prst="straightConnector1">
+                  <a:avLst/>
+                </a:prstGeom>
+                <a:ln>
+                  <a:solidFill>
+                    <a:schemeClr val="accent5">
+                      <a:lumMod val="75000"/>
+                    </a:schemeClr>
+                  </a:solidFill>
+                  <a:tailEnd type="triangle"/>
+                </a:ln>
+              </p:spPr>
+              <p:style>
+                <a:lnRef idx="1">
+                  <a:schemeClr val="accent1"/>
+                </a:lnRef>
+                <a:fillRef idx="0">
+                  <a:schemeClr val="accent1"/>
+                </a:fillRef>
+                <a:effectRef idx="0">
+                  <a:schemeClr val="accent1"/>
+                </a:effectRef>
+                <a:fontRef idx="minor">
+                  <a:schemeClr val="tx1"/>
+                </a:fontRef>
+              </p:style>
+            </p:cxnSp>
+            <p:grpSp>
+              <p:nvGrpSpPr>
+                <p:cNvPr id="67" name="Group 66">
+                  <a:extLst>
+                    <a:ext uri="{FF2B5EF4-FFF2-40B4-BE49-F238E27FC236}">
+                      <a16:creationId xmlns:a16="http://schemas.microsoft.com/office/drawing/2014/main" id="{505EF950-B7DC-4D1B-A48C-89019022212D}"/>
+                    </a:ext>
+                  </a:extLst>
+                </p:cNvPr>
+                <p:cNvGrpSpPr/>
+                <p:nvPr/>
+              </p:nvGrpSpPr>
+              <p:grpSpPr>
+                <a:xfrm>
+                  <a:off x="8406323" y="3561183"/>
+                  <a:ext cx="750099" cy="430887"/>
+                  <a:chOff x="2454006" y="789717"/>
+                  <a:chExt cx="3432552" cy="1920864"/>
+                </a:xfrm>
+                <a:solidFill>
+                  <a:schemeClr val="bg1"/>
+                </a:solidFill>
+              </p:grpSpPr>
+              <p:sp>
+                <p:nvSpPr>
+                  <p:cNvPr id="68" name="Trapezoid 67">
+                    <a:extLst>
+                      <a:ext uri="{FF2B5EF4-FFF2-40B4-BE49-F238E27FC236}">
+                        <a16:creationId xmlns:a16="http://schemas.microsoft.com/office/drawing/2014/main" id="{A2F8E47D-34E0-4627-AB46-6039D78FFB6D}"/>
+                      </a:ext>
+                    </a:extLst>
+                  </p:cNvPr>
+                  <p:cNvSpPr/>
+                  <p:nvPr/>
+                </p:nvSpPr>
+                <p:spPr>
+                  <a:xfrm rot="5400000">
+                    <a:off x="2130283" y="1113440"/>
+                    <a:ext cx="1920864" cy="1273418"/>
+                  </a:xfrm>
+                  <a:prstGeom prst="trapezoid">
+                    <a:avLst/>
+                  </a:prstGeom>
+                  <a:grpFill/>
+                  <a:ln>
+                    <a:solidFill>
+                      <a:schemeClr val="accent5">
+                        <a:lumMod val="75000"/>
+                      </a:schemeClr>
+                    </a:solidFill>
+                  </a:ln>
+                </p:spPr>
+                <p:style>
+                  <a:lnRef idx="2">
+                    <a:schemeClr val="accent1">
+                      <a:shade val="50000"/>
+                    </a:schemeClr>
+                  </a:lnRef>
+                  <a:fillRef idx="1">
+                    <a:schemeClr val="accent1"/>
+                  </a:fillRef>
+                  <a:effectRef idx="0">
+                    <a:schemeClr val="accent1"/>
+                  </a:effectRef>
+                  <a:fontRef idx="minor">
+                    <a:schemeClr val="lt1"/>
+                  </a:fontRef>
+                </p:style>
+                <p:txBody>
+                  <a:bodyPr rtlCol="0" anchor="ctr"/>
+                  <a:lstStyle/>
+                  <a:p>
+                    <a:pPr algn="ctr"/>
+                    <a:endParaRPr lang="en-US"/>
+                  </a:p>
+                </p:txBody>
+              </p:sp>
+              <p:sp>
+                <p:nvSpPr>
+                  <p:cNvPr id="69" name="Trapezoid 68">
+                    <a:extLst>
+                      <a:ext uri="{FF2B5EF4-FFF2-40B4-BE49-F238E27FC236}">
+                        <a16:creationId xmlns:a16="http://schemas.microsoft.com/office/drawing/2014/main" id="{71793C7E-6F98-4DDD-82DB-B4A62266AC06}"/>
+                      </a:ext>
+                    </a:extLst>
+                  </p:cNvPr>
+                  <p:cNvSpPr/>
+                  <p:nvPr/>
+                </p:nvSpPr>
+                <p:spPr>
+                  <a:xfrm rot="5400000">
+                    <a:off x="3643199" y="1309287"/>
+                    <a:ext cx="1298704" cy="882846"/>
+                  </a:xfrm>
+                  <a:prstGeom prst="trapezoid">
+                    <a:avLst/>
+                  </a:prstGeom>
+                  <a:grpFill/>
+                  <a:ln>
+                    <a:solidFill>
+                      <a:schemeClr val="accent5">
+                        <a:lumMod val="75000"/>
+                      </a:schemeClr>
+                    </a:solidFill>
+                  </a:ln>
+                </p:spPr>
+                <p:style>
+                  <a:lnRef idx="2">
+                    <a:schemeClr val="accent1">
+                      <a:shade val="50000"/>
+                    </a:schemeClr>
+                  </a:lnRef>
+                  <a:fillRef idx="1">
+                    <a:schemeClr val="accent1"/>
+                  </a:fillRef>
+                  <a:effectRef idx="0">
+                    <a:schemeClr val="accent1"/>
+                  </a:effectRef>
+                  <a:fontRef idx="minor">
+                    <a:schemeClr val="lt1"/>
+                  </a:fontRef>
+                </p:style>
+                <p:txBody>
+                  <a:bodyPr rtlCol="0" anchor="ctr"/>
+                  <a:lstStyle/>
+                  <a:p>
+                    <a:pPr algn="ctr"/>
+                    <a:endParaRPr lang="en-US"/>
+                  </a:p>
+                </p:txBody>
+              </p:sp>
+              <p:sp>
+                <p:nvSpPr>
+                  <p:cNvPr id="70" name="Trapezoid 69">
+                    <a:extLst>
+                      <a:ext uri="{FF2B5EF4-FFF2-40B4-BE49-F238E27FC236}">
+                        <a16:creationId xmlns:a16="http://schemas.microsoft.com/office/drawing/2014/main" id="{DE8E1662-90CE-4B10-96D8-0EA0FD557F53}"/>
+                      </a:ext>
+                    </a:extLst>
+                  </p:cNvPr>
+                  <p:cNvSpPr/>
+                  <p:nvPr/>
+                </p:nvSpPr>
+                <p:spPr>
+                  <a:xfrm rot="5400000">
+                    <a:off x="4749079" y="1447013"/>
+                    <a:ext cx="805645" cy="606628"/>
+                  </a:xfrm>
+                  <a:prstGeom prst="trapezoid">
+                    <a:avLst/>
+                  </a:prstGeom>
+                  <a:grpFill/>
+                  <a:ln>
+                    <a:solidFill>
+                      <a:schemeClr val="accent5">
+                        <a:lumMod val="75000"/>
+                      </a:schemeClr>
+                    </a:solidFill>
+                  </a:ln>
+                </p:spPr>
+                <p:style>
+                  <a:lnRef idx="2">
+                    <a:schemeClr val="accent1">
+                      <a:shade val="50000"/>
+                    </a:schemeClr>
+                  </a:lnRef>
+                  <a:fillRef idx="1">
+                    <a:schemeClr val="accent1"/>
+                  </a:fillRef>
+                  <a:effectRef idx="0">
+                    <a:schemeClr val="accent1"/>
+                  </a:effectRef>
+                  <a:fontRef idx="minor">
+                    <a:schemeClr val="lt1"/>
+                  </a:fontRef>
+                </p:style>
+                <p:txBody>
+                  <a:bodyPr rtlCol="0" anchor="ctr"/>
+                  <a:lstStyle/>
+                  <a:p>
+                    <a:pPr algn="ctr"/>
+                    <a:endParaRPr lang="en-US"/>
+                  </a:p>
+                </p:txBody>
+              </p:sp>
+              <p:sp>
+                <p:nvSpPr>
+                  <p:cNvPr id="71" name="Trapezoid 70">
+                    <a:extLst>
+                      <a:ext uri="{FF2B5EF4-FFF2-40B4-BE49-F238E27FC236}">
+                        <a16:creationId xmlns:a16="http://schemas.microsoft.com/office/drawing/2014/main" id="{211A7EBD-A0DB-4EBF-84EF-B98CC88B0563}"/>
+                      </a:ext>
+                    </a:extLst>
+                  </p:cNvPr>
+                  <p:cNvSpPr/>
+                  <p:nvPr/>
+                </p:nvSpPr>
+                <p:spPr>
+                  <a:xfrm rot="5400000">
+                    <a:off x="5525633" y="1605164"/>
+                    <a:ext cx="435542" cy="286309"/>
+                  </a:xfrm>
+                  <a:prstGeom prst="trapezoid">
+                    <a:avLst/>
+                  </a:prstGeom>
+                  <a:grpFill/>
+                  <a:ln>
+                    <a:solidFill>
+                      <a:schemeClr val="accent5">
+                        <a:lumMod val="75000"/>
+                      </a:schemeClr>
+                    </a:solidFill>
+                  </a:ln>
+                </p:spPr>
+                <p:style>
+                  <a:lnRef idx="2">
+                    <a:schemeClr val="accent1">
+                      <a:shade val="50000"/>
+                    </a:schemeClr>
+                  </a:lnRef>
+                  <a:fillRef idx="1">
+                    <a:schemeClr val="accent1"/>
+                  </a:fillRef>
+                  <a:effectRef idx="0">
+                    <a:schemeClr val="accent1"/>
+                  </a:effectRef>
+                  <a:fontRef idx="minor">
+                    <a:schemeClr val="lt1"/>
+                  </a:fontRef>
+                </p:style>
+                <p:txBody>
+                  <a:bodyPr rtlCol="0" anchor="ctr"/>
+                  <a:lstStyle/>
+                  <a:p>
+                    <a:pPr algn="ctr"/>
+                    <a:endParaRPr lang="en-US"/>
+                  </a:p>
+                </p:txBody>
+              </p:sp>
+            </p:grpSp>
+          </p:grpSp>
+        </p:grpSp>
+      </p:grpSp>
+      <p:pic>
+        <p:nvPicPr>
+          <p:cNvPr id="82" name="Picture 81">
+            <a:extLst>
+              <a:ext uri="{FF2B5EF4-FFF2-40B4-BE49-F238E27FC236}">
+                <a16:creationId xmlns:a16="http://schemas.microsoft.com/office/drawing/2014/main" id="{D173DCFC-C7E7-451C-9B4A-E02F322AEF4F}"/>
+              </a:ext>
+            </a:extLst>
+          </p:cNvPr>
+          <p:cNvPicPr>
+            <a:picLocks noChangeAspect="1"/>
+          </p:cNvPicPr>
+          <p:nvPr/>
+        </p:nvPicPr>
+        <p:blipFill>
+          <a:blip r:embed="rId14"/>
+          <a:stretch>
+            <a:fillRect/>
+          </a:stretch>
+        </p:blipFill>
+        <p:spPr>
+          <a:xfrm>
+            <a:off x="955636" y="5232677"/>
+            <a:ext cx="914479" cy="1188823"/>
+          </a:xfrm>
+          <a:prstGeom prst="rect">
+            <a:avLst/>
+          </a:prstGeom>
+        </p:spPr>
+      </p:pic>
     </p:spTree>
     <p:extLst>
       <p:ext uri="{BB962C8B-B14F-4D97-AF65-F5344CB8AC3E}">
